--- a/357 - Jesus, Saviour, Pilot Me.pptx
+++ b/357 - Jesus, Saviour, Pilot Me.pptx
@@ -243,7 +243,7 @@
           <a:p>
             <a:fld id="{32F7251A-AE54-443C-B8FE-5F636E835EBF}" type="datetimeFigureOut">
               <a:rPr lang="en-US" smtClean="0"/>
-              <a:t>4/29/2018</a:t>
+              <a:t>1/12/2020</a:t>
             </a:fld>
             <a:endParaRPr lang="en-US"/>
           </a:p>
@@ -411,7 +411,7 @@
           <a:p>
             <a:fld id="{32F7251A-AE54-443C-B8FE-5F636E835EBF}" type="datetimeFigureOut">
               <a:rPr lang="en-US" smtClean="0"/>
-              <a:t>4/29/2018</a:t>
+              <a:t>1/12/2020</a:t>
             </a:fld>
             <a:endParaRPr lang="en-US"/>
           </a:p>
@@ -589,7 +589,7 @@
           <a:p>
             <a:fld id="{32F7251A-AE54-443C-B8FE-5F636E835EBF}" type="datetimeFigureOut">
               <a:rPr lang="en-US" smtClean="0"/>
-              <a:t>4/29/2018</a:t>
+              <a:t>1/12/2020</a:t>
             </a:fld>
             <a:endParaRPr lang="en-US"/>
           </a:p>
@@ -757,7 +757,7 @@
           <a:p>
             <a:fld id="{32F7251A-AE54-443C-B8FE-5F636E835EBF}" type="datetimeFigureOut">
               <a:rPr lang="en-US" smtClean="0"/>
-              <a:t>4/29/2018</a:t>
+              <a:t>1/12/2020</a:t>
             </a:fld>
             <a:endParaRPr lang="en-US"/>
           </a:p>
@@ -1002,7 +1002,7 @@
           <a:p>
             <a:fld id="{32F7251A-AE54-443C-B8FE-5F636E835EBF}" type="datetimeFigureOut">
               <a:rPr lang="en-US" smtClean="0"/>
-              <a:t>4/29/2018</a:t>
+              <a:t>1/12/2020</a:t>
             </a:fld>
             <a:endParaRPr lang="en-US"/>
           </a:p>
@@ -1231,7 +1231,7 @@
           <a:p>
             <a:fld id="{32F7251A-AE54-443C-B8FE-5F636E835EBF}" type="datetimeFigureOut">
               <a:rPr lang="en-US" smtClean="0"/>
-              <a:t>4/29/2018</a:t>
+              <a:t>1/12/2020</a:t>
             </a:fld>
             <a:endParaRPr lang="en-US"/>
           </a:p>
@@ -1595,7 +1595,7 @@
           <a:p>
             <a:fld id="{32F7251A-AE54-443C-B8FE-5F636E835EBF}" type="datetimeFigureOut">
               <a:rPr lang="en-US" smtClean="0"/>
-              <a:t>4/29/2018</a:t>
+              <a:t>1/12/2020</a:t>
             </a:fld>
             <a:endParaRPr lang="en-US"/>
           </a:p>
@@ -1712,7 +1712,7 @@
           <a:p>
             <a:fld id="{32F7251A-AE54-443C-B8FE-5F636E835EBF}" type="datetimeFigureOut">
               <a:rPr lang="en-US" smtClean="0"/>
-              <a:t>4/29/2018</a:t>
+              <a:t>1/12/2020</a:t>
             </a:fld>
             <a:endParaRPr lang="en-US"/>
           </a:p>
@@ -1807,7 +1807,7 @@
           <a:p>
             <a:fld id="{32F7251A-AE54-443C-B8FE-5F636E835EBF}" type="datetimeFigureOut">
               <a:rPr lang="en-US" smtClean="0"/>
-              <a:t>4/29/2018</a:t>
+              <a:t>1/12/2020</a:t>
             </a:fld>
             <a:endParaRPr lang="en-US"/>
           </a:p>
@@ -2082,7 +2082,7 @@
           <a:p>
             <a:fld id="{32F7251A-AE54-443C-B8FE-5F636E835EBF}" type="datetimeFigureOut">
               <a:rPr lang="en-US" smtClean="0"/>
-              <a:t>4/29/2018</a:t>
+              <a:t>1/12/2020</a:t>
             </a:fld>
             <a:endParaRPr lang="en-US"/>
           </a:p>
@@ -2334,7 +2334,7 @@
           <a:p>
             <a:fld id="{32F7251A-AE54-443C-B8FE-5F636E835EBF}" type="datetimeFigureOut">
               <a:rPr lang="en-US" smtClean="0"/>
-              <a:t>4/29/2018</a:t>
+              <a:t>1/12/2020</a:t>
             </a:fld>
             <a:endParaRPr lang="en-US"/>
           </a:p>
@@ -2401,7 +2401,9 @@
     <p:bg>
       <p:bgPr>
         <a:solidFill>
-          <a:srgbClr val="333333"/>
+          <a:schemeClr val="bg1">
+            <a:lumMod val="10000"/>
+          </a:schemeClr>
         </a:solidFill>
         <a:effectLst/>
       </p:bgPr>
@@ -2548,7 +2550,7 @@
           <a:p>
             <a:fld id="{32F7251A-AE54-443C-B8FE-5F636E835EBF}" type="datetimeFigureOut">
               <a:rPr lang="en-US" smtClean="0"/>
-              <a:t>4/29/2018</a:t>
+              <a:t>1/12/2020</a:t>
             </a:fld>
             <a:endParaRPr lang="en-US"/>
           </a:p>
@@ -3018,8 +3020,8 @@
         </p:nvSpPr>
         <p:spPr>
           <a:xfrm>
-            <a:off x="0" y="5804209"/>
-            <a:ext cx="12192000" cy="830997"/>
+            <a:off x="0" y="5927320"/>
+            <a:ext cx="12192000" cy="584775"/>
           </a:xfrm>
           <a:prstGeom prst="rect">
             <a:avLst/>
@@ -3034,26 +3036,32 @@
           <a:p>
             <a:pPr algn="ctr"/>
             <a:r>
-              <a:rPr lang="en-US" sz="4800" dirty="0">
+              <a:rPr lang="en-US" sz="3200" u="sng" dirty="0">
                 <a:solidFill>
                   <a:schemeClr val="bg1"/>
                 </a:solidFill>
+                <a:latin typeface="Assistant SemiBold" panose="00000700000000000000" pitchFamily="2" charset="-79"/>
+                <a:cs typeface="Assistant SemiBold" panose="00000700000000000000" pitchFamily="2" charset="-79"/>
               </a:rPr>
               <a:t>“Jesus, </a:t>
             </a:r>
             <a:r>
-              <a:rPr lang="en-US" sz="4800" dirty="0" err="1">
+              <a:rPr lang="en-US" sz="3200" u="sng" dirty="0" err="1">
                 <a:solidFill>
                   <a:schemeClr val="bg1"/>
                 </a:solidFill>
+                <a:latin typeface="Assistant SemiBold" panose="00000700000000000000" pitchFamily="2" charset="-79"/>
+                <a:cs typeface="Assistant SemiBold" panose="00000700000000000000" pitchFamily="2" charset="-79"/>
               </a:rPr>
               <a:t>Saviour</a:t>
             </a:r>
             <a:r>
-              <a:rPr lang="en-US" sz="4800" dirty="0">
+              <a:rPr lang="en-US" sz="3200" u="sng" dirty="0">
                 <a:solidFill>
                   <a:schemeClr val="bg1"/>
                 </a:solidFill>
+                <a:latin typeface="Assistant SemiBold" panose="00000700000000000000" pitchFamily="2" charset="-79"/>
+                <a:cs typeface="Assistant SemiBold" panose="00000700000000000000" pitchFamily="2" charset="-79"/>
               </a:rPr>
               <a:t>, Pilot Me”</a:t>
             </a:r>
@@ -3068,8 +3076,8 @@
         </p:nvSpPr>
         <p:spPr>
           <a:xfrm>
-            <a:off x="0" y="846898"/>
-            <a:ext cx="12192000" cy="3970318"/>
+            <a:off x="0" y="1167532"/>
+            <a:ext cx="12192000" cy="3108543"/>
           </a:xfrm>
           <a:prstGeom prst="rect">
             <a:avLst/>
@@ -3084,26 +3092,32 @@
           <a:p>
             <a:pPr algn="ctr"/>
             <a:r>
-              <a:rPr lang="en-US" sz="3600" dirty="0">
+              <a:rPr lang="en-US" sz="2800" spc="50" dirty="0">
                 <a:solidFill>
                   <a:schemeClr val="bg1"/>
                 </a:solidFill>
+                <a:latin typeface="Assistant" panose="00000500000000000000" pitchFamily="2" charset="-79"/>
+                <a:cs typeface="Assistant" panose="00000500000000000000" pitchFamily="2" charset="-79"/>
               </a:rPr>
               <a:t>Jesus, </a:t>
             </a:r>
             <a:r>
-              <a:rPr lang="en-US" sz="3600" dirty="0" err="1">
+              <a:rPr lang="en-US" sz="2800" spc="50" dirty="0" err="1">
                 <a:solidFill>
                   <a:schemeClr val="bg1"/>
                 </a:solidFill>
+                <a:latin typeface="Assistant" panose="00000500000000000000" pitchFamily="2" charset="-79"/>
+                <a:cs typeface="Assistant" panose="00000500000000000000" pitchFamily="2" charset="-79"/>
               </a:rPr>
               <a:t>Saviour</a:t>
             </a:r>
             <a:r>
-              <a:rPr lang="en-US" sz="3600" dirty="0">
+              <a:rPr lang="en-US" sz="2800" spc="50" dirty="0">
                 <a:solidFill>
                   <a:schemeClr val="bg1"/>
                 </a:solidFill>
+                <a:latin typeface="Assistant" panose="00000500000000000000" pitchFamily="2" charset="-79"/>
+                <a:cs typeface="Assistant" panose="00000500000000000000" pitchFamily="2" charset="-79"/>
               </a:rPr>
               <a:t>, pilot me</a:t>
             </a:r>
@@ -3111,10 +3125,12 @@
           <a:p>
             <a:pPr algn="ctr"/>
             <a:r>
-              <a:rPr lang="en-US" sz="3600" dirty="0">
+              <a:rPr lang="en-US" sz="2800" spc="50" dirty="0">
                 <a:solidFill>
                   <a:schemeClr val="bg1"/>
                 </a:solidFill>
+                <a:latin typeface="Assistant" panose="00000500000000000000" pitchFamily="2" charset="-79"/>
+                <a:cs typeface="Assistant" panose="00000500000000000000" pitchFamily="2" charset="-79"/>
               </a:rPr>
               <a:t>Over life’s tempestuous sea;</a:t>
             </a:r>
@@ -3122,10 +3138,12 @@
           <a:p>
             <a:pPr algn="ctr"/>
             <a:r>
-              <a:rPr lang="en-US" sz="3600" dirty="0">
+              <a:rPr lang="en-US" sz="2800" spc="50" dirty="0">
                 <a:solidFill>
                   <a:schemeClr val="bg1"/>
                 </a:solidFill>
+                <a:latin typeface="Assistant" panose="00000500000000000000" pitchFamily="2" charset="-79"/>
+                <a:cs typeface="Assistant" panose="00000500000000000000" pitchFamily="2" charset="-79"/>
               </a:rPr>
               <a:t>Unknown waves before me roll,</a:t>
             </a:r>
@@ -3133,29 +3151,35 @@
           <a:p>
             <a:pPr algn="ctr"/>
             <a:r>
-              <a:rPr lang="en-US" sz="3600" dirty="0">
+              <a:rPr lang="en-US" sz="2800" spc="50" dirty="0">
                 <a:solidFill>
                   <a:schemeClr val="bg1"/>
                 </a:solidFill>
+                <a:latin typeface="Assistant" panose="00000500000000000000" pitchFamily="2" charset="-79"/>
+                <a:cs typeface="Assistant" panose="00000500000000000000" pitchFamily="2" charset="-79"/>
               </a:rPr>
               <a:t>Hiding rock and treacherous shoal;</a:t>
             </a:r>
           </a:p>
           <a:p>
             <a:pPr algn="ctr"/>
-            <a:endParaRPr lang="en-US" sz="3600" dirty="0">
+            <a:endParaRPr lang="en-US" sz="2800" spc="50" dirty="0">
               <a:solidFill>
                 <a:schemeClr val="bg1"/>
               </a:solidFill>
+              <a:latin typeface="Assistant" panose="00000500000000000000" pitchFamily="2" charset="-79"/>
+              <a:cs typeface="Assistant" panose="00000500000000000000" pitchFamily="2" charset="-79"/>
             </a:endParaRPr>
           </a:p>
           <a:p>
             <a:pPr algn="ctr"/>
             <a:r>
-              <a:rPr lang="en-US" sz="3600" dirty="0">
+              <a:rPr lang="en-US" sz="2800" spc="50" dirty="0">
                 <a:solidFill>
                   <a:schemeClr val="bg1"/>
                 </a:solidFill>
+                <a:latin typeface="Assistant" panose="00000500000000000000" pitchFamily="2" charset="-79"/>
+                <a:cs typeface="Assistant" panose="00000500000000000000" pitchFamily="2" charset="-79"/>
               </a:rPr>
               <a:t>Chart and compass come from Thee,</a:t>
             </a:r>
@@ -3163,26 +3187,32 @@
           <a:p>
             <a:pPr algn="ctr"/>
             <a:r>
-              <a:rPr lang="en-US" sz="3600" dirty="0">
+              <a:rPr lang="en-US" sz="2800" spc="50" dirty="0">
                 <a:solidFill>
                   <a:schemeClr val="bg1"/>
                 </a:solidFill>
+                <a:latin typeface="Assistant" panose="00000500000000000000" pitchFamily="2" charset="-79"/>
+                <a:cs typeface="Assistant" panose="00000500000000000000" pitchFamily="2" charset="-79"/>
               </a:rPr>
               <a:t>Jesus, </a:t>
             </a:r>
             <a:r>
-              <a:rPr lang="en-US" sz="3600" dirty="0" err="1">
+              <a:rPr lang="en-US" sz="2800" spc="50" dirty="0" err="1">
                 <a:solidFill>
                   <a:schemeClr val="bg1"/>
                 </a:solidFill>
+                <a:latin typeface="Assistant" panose="00000500000000000000" pitchFamily="2" charset="-79"/>
+                <a:cs typeface="Assistant" panose="00000500000000000000" pitchFamily="2" charset="-79"/>
               </a:rPr>
               <a:t>Saviour</a:t>
             </a:r>
             <a:r>
-              <a:rPr lang="en-US" sz="3600" dirty="0">
+              <a:rPr lang="en-US" sz="2800" spc="50" dirty="0">
                 <a:solidFill>
                   <a:schemeClr val="bg1"/>
                 </a:solidFill>
+                <a:latin typeface="Assistant" panose="00000500000000000000" pitchFamily="2" charset="-79"/>
+                <a:cs typeface="Assistant" panose="00000500000000000000" pitchFamily="2" charset="-79"/>
               </a:rPr>
               <a:t>, pilot me.</a:t>
             </a:r>
@@ -3284,8 +3314,8 @@
         </p:nvSpPr>
         <p:spPr>
           <a:xfrm>
-            <a:off x="0" y="5804209"/>
-            <a:ext cx="12192000" cy="830997"/>
+            <a:off x="0" y="5927320"/>
+            <a:ext cx="12192000" cy="584775"/>
           </a:xfrm>
           <a:prstGeom prst="rect">
             <a:avLst/>
@@ -3300,26 +3330,32 @@
           <a:p>
             <a:pPr algn="ctr"/>
             <a:r>
-              <a:rPr lang="en-US" sz="4800" dirty="0">
+              <a:rPr lang="en-US" sz="3200" u="sng" dirty="0">
                 <a:solidFill>
                   <a:schemeClr val="bg1"/>
                 </a:solidFill>
+                <a:latin typeface="Assistant SemiBold" panose="00000700000000000000" pitchFamily="2" charset="-79"/>
+                <a:cs typeface="Assistant SemiBold" panose="00000700000000000000" pitchFamily="2" charset="-79"/>
               </a:rPr>
               <a:t>“Jesus, </a:t>
             </a:r>
             <a:r>
-              <a:rPr lang="en-US" sz="4800" dirty="0" err="1">
+              <a:rPr lang="en-US" sz="3200" u="sng" dirty="0" err="1">
                 <a:solidFill>
                   <a:schemeClr val="bg1"/>
                 </a:solidFill>
+                <a:latin typeface="Assistant SemiBold" panose="00000700000000000000" pitchFamily="2" charset="-79"/>
+                <a:cs typeface="Assistant SemiBold" panose="00000700000000000000" pitchFamily="2" charset="-79"/>
               </a:rPr>
               <a:t>Saviour</a:t>
             </a:r>
             <a:r>
-              <a:rPr lang="en-US" sz="4800" dirty="0">
+              <a:rPr lang="en-US" sz="3200" u="sng" dirty="0">
                 <a:solidFill>
                   <a:schemeClr val="bg1"/>
                 </a:solidFill>
+                <a:latin typeface="Assistant SemiBold" panose="00000700000000000000" pitchFamily="2" charset="-79"/>
+                <a:cs typeface="Assistant SemiBold" panose="00000700000000000000" pitchFamily="2" charset="-79"/>
               </a:rPr>
               <a:t>, Pilot Me”</a:t>
             </a:r>
@@ -3334,8 +3370,8 @@
         </p:nvSpPr>
         <p:spPr>
           <a:xfrm>
-            <a:off x="0" y="846898"/>
-            <a:ext cx="12192000" cy="3970318"/>
+            <a:off x="0" y="1191283"/>
+            <a:ext cx="12192000" cy="3108543"/>
           </a:xfrm>
           <a:prstGeom prst="rect">
             <a:avLst/>
@@ -3350,10 +3386,12 @@
           <a:p>
             <a:pPr algn="ctr"/>
             <a:r>
-              <a:rPr lang="en-US" sz="3600" dirty="0">
+              <a:rPr lang="en-US" sz="2800" spc="50" dirty="0">
                 <a:solidFill>
                   <a:schemeClr val="bg1"/>
                 </a:solidFill>
+                <a:latin typeface="Assistant" panose="00000500000000000000" pitchFamily="2" charset="-79"/>
+                <a:cs typeface="Assistant" panose="00000500000000000000" pitchFamily="2" charset="-79"/>
               </a:rPr>
               <a:t>As a mother stills her child,</a:t>
             </a:r>
@@ -3361,10 +3399,12 @@
           <a:p>
             <a:pPr algn="ctr"/>
             <a:r>
-              <a:rPr lang="en-US" sz="3600" dirty="0">
+              <a:rPr lang="en-US" sz="2800" spc="50" dirty="0">
                 <a:solidFill>
                   <a:schemeClr val="bg1"/>
                 </a:solidFill>
+                <a:latin typeface="Assistant" panose="00000500000000000000" pitchFamily="2" charset="-79"/>
+                <a:cs typeface="Assistant" panose="00000500000000000000" pitchFamily="2" charset="-79"/>
               </a:rPr>
               <a:t>Thou canst hush the ocean wild;</a:t>
             </a:r>
@@ -3372,10 +3412,12 @@
           <a:p>
             <a:pPr algn="ctr"/>
             <a:r>
-              <a:rPr lang="en-US" sz="3600" dirty="0">
+              <a:rPr lang="en-US" sz="2800" spc="50" dirty="0">
                 <a:solidFill>
                   <a:schemeClr val="bg1"/>
                 </a:solidFill>
+                <a:latin typeface="Assistant" panose="00000500000000000000" pitchFamily="2" charset="-79"/>
+                <a:cs typeface="Assistant" panose="00000500000000000000" pitchFamily="2" charset="-79"/>
               </a:rPr>
               <a:t>Boisterous waves obey Thy will</a:t>
             </a:r>
@@ -3383,45 +3425,55 @@
           <a:p>
             <a:pPr algn="ctr"/>
             <a:r>
-              <a:rPr lang="en-US" sz="3600" dirty="0">
+              <a:rPr lang="en-US" sz="2800" spc="50" dirty="0">
                 <a:solidFill>
                   <a:schemeClr val="bg1"/>
                 </a:solidFill>
+                <a:latin typeface="Assistant" panose="00000500000000000000" pitchFamily="2" charset="-79"/>
+                <a:cs typeface="Assistant" panose="00000500000000000000" pitchFamily="2" charset="-79"/>
               </a:rPr>
               <a:t>When Thou </a:t>
             </a:r>
             <a:r>
-              <a:rPr lang="en-US" sz="3600" dirty="0" err="1">
+              <a:rPr lang="en-US" sz="2800" spc="50" dirty="0" err="1">
                 <a:solidFill>
                   <a:schemeClr val="bg1"/>
                 </a:solidFill>
+                <a:latin typeface="Assistant" panose="00000500000000000000" pitchFamily="2" charset="-79"/>
+                <a:cs typeface="Assistant" panose="00000500000000000000" pitchFamily="2" charset="-79"/>
               </a:rPr>
               <a:t>sayest</a:t>
             </a:r>
             <a:r>
-              <a:rPr lang="en-US" sz="3600" dirty="0">
+              <a:rPr lang="en-US" sz="2800" spc="50" dirty="0">
                 <a:solidFill>
                   <a:schemeClr val="bg1"/>
                 </a:solidFill>
+                <a:latin typeface="Assistant" panose="00000500000000000000" pitchFamily="2" charset="-79"/>
+                <a:cs typeface="Assistant" panose="00000500000000000000" pitchFamily="2" charset="-79"/>
               </a:rPr>
               <a:t> to them, “Be still!”</a:t>
             </a:r>
           </a:p>
           <a:p>
             <a:pPr algn="ctr"/>
-            <a:endParaRPr lang="en-US" sz="3600" dirty="0">
+            <a:endParaRPr lang="en-US" sz="2800" spc="50" dirty="0">
               <a:solidFill>
                 <a:schemeClr val="bg1"/>
               </a:solidFill>
+              <a:latin typeface="Assistant" panose="00000500000000000000" pitchFamily="2" charset="-79"/>
+              <a:cs typeface="Assistant" panose="00000500000000000000" pitchFamily="2" charset="-79"/>
             </a:endParaRPr>
           </a:p>
           <a:p>
             <a:pPr algn="ctr"/>
             <a:r>
-              <a:rPr lang="en-US" sz="3600" dirty="0">
+              <a:rPr lang="en-US" sz="2800" spc="50" dirty="0">
                 <a:solidFill>
                   <a:schemeClr val="bg1"/>
                 </a:solidFill>
+                <a:latin typeface="Assistant" panose="00000500000000000000" pitchFamily="2" charset="-79"/>
+                <a:cs typeface="Assistant" panose="00000500000000000000" pitchFamily="2" charset="-79"/>
               </a:rPr>
               <a:t>Wondrous Sovereign of the sea,</a:t>
             </a:r>
@@ -3429,26 +3481,32 @@
           <a:p>
             <a:pPr algn="ctr"/>
             <a:r>
-              <a:rPr lang="en-US" sz="3600" dirty="0">
+              <a:rPr lang="en-US" sz="2800" spc="50" dirty="0">
                 <a:solidFill>
                   <a:schemeClr val="bg1"/>
                 </a:solidFill>
+                <a:latin typeface="Assistant" panose="00000500000000000000" pitchFamily="2" charset="-79"/>
+                <a:cs typeface="Assistant" panose="00000500000000000000" pitchFamily="2" charset="-79"/>
               </a:rPr>
               <a:t>Jesus, </a:t>
             </a:r>
             <a:r>
-              <a:rPr lang="en-US" sz="3600" dirty="0" err="1">
+              <a:rPr lang="en-US" sz="2800" spc="50" dirty="0" err="1">
                 <a:solidFill>
                   <a:schemeClr val="bg1"/>
                 </a:solidFill>
+                <a:latin typeface="Assistant" panose="00000500000000000000" pitchFamily="2" charset="-79"/>
+                <a:cs typeface="Assistant" panose="00000500000000000000" pitchFamily="2" charset="-79"/>
               </a:rPr>
               <a:t>Saviour</a:t>
             </a:r>
             <a:r>
-              <a:rPr lang="en-US" sz="3600" dirty="0">
+              <a:rPr lang="en-US" sz="2800" spc="50" dirty="0">
                 <a:solidFill>
                   <a:schemeClr val="bg1"/>
                 </a:solidFill>
+                <a:latin typeface="Assistant" panose="00000500000000000000" pitchFamily="2" charset="-79"/>
+                <a:cs typeface="Assistant" panose="00000500000000000000" pitchFamily="2" charset="-79"/>
               </a:rPr>
               <a:t>, pilot me.</a:t>
             </a:r>
@@ -3550,8 +3608,8 @@
         </p:nvSpPr>
         <p:spPr>
           <a:xfrm>
-            <a:off x="0" y="5804209"/>
-            <a:ext cx="12192000" cy="830997"/>
+            <a:off x="0" y="5927320"/>
+            <a:ext cx="12192000" cy="584775"/>
           </a:xfrm>
           <a:prstGeom prst="rect">
             <a:avLst/>
@@ -3566,26 +3624,32 @@
           <a:p>
             <a:pPr algn="ctr"/>
             <a:r>
-              <a:rPr lang="en-US" sz="4800" dirty="0">
+              <a:rPr lang="en-US" sz="3200" u="sng" dirty="0">
                 <a:solidFill>
                   <a:schemeClr val="bg1"/>
                 </a:solidFill>
+                <a:latin typeface="Assistant SemiBold" panose="00000700000000000000" pitchFamily="2" charset="-79"/>
+                <a:cs typeface="Assistant SemiBold" panose="00000700000000000000" pitchFamily="2" charset="-79"/>
               </a:rPr>
               <a:t>“Jesus, </a:t>
             </a:r>
             <a:r>
-              <a:rPr lang="en-US" sz="4800" dirty="0" err="1">
+              <a:rPr lang="en-US" sz="3200" u="sng" dirty="0" err="1">
                 <a:solidFill>
                   <a:schemeClr val="bg1"/>
                 </a:solidFill>
+                <a:latin typeface="Assistant SemiBold" panose="00000700000000000000" pitchFamily="2" charset="-79"/>
+                <a:cs typeface="Assistant SemiBold" panose="00000700000000000000" pitchFamily="2" charset="-79"/>
               </a:rPr>
               <a:t>Saviour</a:t>
             </a:r>
             <a:r>
-              <a:rPr lang="en-US" sz="4800" dirty="0">
+              <a:rPr lang="en-US" sz="3200" u="sng" dirty="0">
                 <a:solidFill>
                   <a:schemeClr val="bg1"/>
                 </a:solidFill>
+                <a:latin typeface="Assistant SemiBold" panose="00000700000000000000" pitchFamily="2" charset="-79"/>
+                <a:cs typeface="Assistant SemiBold" panose="00000700000000000000" pitchFamily="2" charset="-79"/>
               </a:rPr>
               <a:t>, Pilot Me”</a:t>
             </a:r>
@@ -3600,8 +3664,8 @@
         </p:nvSpPr>
         <p:spPr>
           <a:xfrm>
-            <a:off x="0" y="846898"/>
-            <a:ext cx="12192000" cy="3970318"/>
+            <a:off x="0" y="1286285"/>
+            <a:ext cx="12192000" cy="3108543"/>
           </a:xfrm>
           <a:prstGeom prst="rect">
             <a:avLst/>
@@ -3616,37 +3680,25 @@
           <a:p>
             <a:pPr algn="ctr"/>
             <a:r>
-              <a:rPr lang="en-US" sz="3600" dirty="0">
+              <a:rPr lang="en-US" sz="2800" spc="50" dirty="0">
                 <a:solidFill>
                   <a:schemeClr val="bg1"/>
                 </a:solidFill>
+                <a:latin typeface="Assistant" panose="00000500000000000000" pitchFamily="2" charset="-79"/>
+                <a:cs typeface="Assistant" panose="00000500000000000000" pitchFamily="2" charset="-79"/>
               </a:rPr>
-              <a:t>When, </a:t>
-            </a:r>
-            <a:r>
-              <a:rPr lang="en-US" sz="3600">
+              <a:t>When, at last, I near the shore,</a:t>
+            </a:r>
+          </a:p>
+          <a:p>
+            <a:pPr algn="ctr"/>
+            <a:r>
+              <a:rPr lang="en-US" sz="2800" spc="50" dirty="0">
                 <a:solidFill>
                   <a:schemeClr val="bg1"/>
                 </a:solidFill>
-              </a:rPr>
-              <a:t>at last</a:t>
-            </a:r>
-            <a:r>
-              <a:rPr lang="en-US" sz="3600" dirty="0">
-                <a:solidFill>
-                  <a:schemeClr val="bg1"/>
-                </a:solidFill>
-              </a:rPr>
-              <a:t>, I near the shore,</a:t>
-            </a:r>
-          </a:p>
-          <a:p>
-            <a:pPr algn="ctr"/>
-            <a:r>
-              <a:rPr lang="en-US" sz="3600" dirty="0">
-                <a:solidFill>
-                  <a:schemeClr val="bg1"/>
-                </a:solidFill>
+                <a:latin typeface="Assistant" panose="00000500000000000000" pitchFamily="2" charset="-79"/>
+                <a:cs typeface="Assistant" panose="00000500000000000000" pitchFamily="2" charset="-79"/>
               </a:rPr>
               <a:t>And the fearful breakers roar</a:t>
             </a:r>
@@ -3654,10 +3706,12 @@
           <a:p>
             <a:pPr algn="ctr"/>
             <a:r>
-              <a:rPr lang="en-US" sz="3600" dirty="0">
+              <a:rPr lang="en-US" sz="2800" spc="50" dirty="0">
                 <a:solidFill>
                   <a:schemeClr val="bg1"/>
                 </a:solidFill>
+                <a:latin typeface="Assistant" panose="00000500000000000000" pitchFamily="2" charset="-79"/>
+                <a:cs typeface="Assistant" panose="00000500000000000000" pitchFamily="2" charset="-79"/>
               </a:rPr>
               <a:t>‘Twixt me and the peaceful rest,</a:t>
             </a:r>
@@ -3665,29 +3719,35 @@
           <a:p>
             <a:pPr algn="ctr"/>
             <a:r>
-              <a:rPr lang="en-US" sz="3600" dirty="0">
+              <a:rPr lang="en-US" sz="2800" spc="50" dirty="0">
                 <a:solidFill>
                   <a:schemeClr val="bg1"/>
                 </a:solidFill>
+                <a:latin typeface="Assistant" panose="00000500000000000000" pitchFamily="2" charset="-79"/>
+                <a:cs typeface="Assistant" panose="00000500000000000000" pitchFamily="2" charset="-79"/>
               </a:rPr>
               <a:t>Then while leaning on Thy breast,</a:t>
             </a:r>
           </a:p>
           <a:p>
             <a:pPr algn="ctr"/>
-            <a:endParaRPr lang="en-US" sz="3600" dirty="0">
+            <a:endParaRPr lang="en-US" sz="2800" spc="50" dirty="0">
               <a:solidFill>
                 <a:schemeClr val="bg1"/>
               </a:solidFill>
+              <a:latin typeface="Assistant" panose="00000500000000000000" pitchFamily="2" charset="-79"/>
+              <a:cs typeface="Assistant" panose="00000500000000000000" pitchFamily="2" charset="-79"/>
             </a:endParaRPr>
           </a:p>
           <a:p>
             <a:pPr algn="ctr"/>
             <a:r>
-              <a:rPr lang="en-US" sz="3600" dirty="0">
+              <a:rPr lang="en-US" sz="2800" spc="50" dirty="0">
                 <a:solidFill>
                   <a:schemeClr val="bg1"/>
                 </a:solidFill>
+                <a:latin typeface="Assistant" panose="00000500000000000000" pitchFamily="2" charset="-79"/>
+                <a:cs typeface="Assistant" panose="00000500000000000000" pitchFamily="2" charset="-79"/>
               </a:rPr>
               <a:t>May I hear Thee say to me,</a:t>
             </a:r>
@@ -3695,10 +3755,12 @@
           <a:p>
             <a:pPr algn="ctr"/>
             <a:r>
-              <a:rPr lang="en-US" sz="3600" dirty="0">
+              <a:rPr lang="en-US" sz="2800" spc="50" dirty="0">
                 <a:solidFill>
                   <a:schemeClr val="bg1"/>
                 </a:solidFill>
+                <a:latin typeface="Assistant" panose="00000500000000000000" pitchFamily="2" charset="-79"/>
+                <a:cs typeface="Assistant" panose="00000500000000000000" pitchFamily="2" charset="-79"/>
               </a:rPr>
               <a:t>“Fear not, I will pilot thee.”</a:t>
             </a:r>
